--- a/Jumper (WIP).pptx
+++ b/Jumper (WIP).pptx
@@ -108,6 +108,11 @@
       </a:defRPr>
     </a:lvl9pPr>
   </p:defaultTextStyle>
+  <p:extLst>
+    <p:ext uri="{EFAFB233-063F-42B5-8137-9DF3F51BA10A}">
+      <p15:sldGuideLst xmlns:p15="http://schemas.microsoft.com/office/powerpoint/2012/main"/>
+    </p:ext>
+  </p:extLst>
 </p:presentation>
 </file>
 
@@ -280,7 +285,7 @@
           <a:p>
             <a:fld id="{115E8872-9D0A-45C6-BAD8-F8F4A9647508}" type="datetimeFigureOut">
               <a:rPr lang="de-AT" smtClean="0"/>
-              <a:t>19.09.2022</a:t>
+              <a:t>26.09.2022</a:t>
             </a:fld>
             <a:endParaRPr lang="de-AT"/>
           </a:p>
@@ -610,7 +615,7 @@
           <a:p>
             <a:fld id="{115E8872-9D0A-45C6-BAD8-F8F4A9647508}" type="datetimeFigureOut">
               <a:rPr lang="de-AT" smtClean="0"/>
-              <a:t>19.09.2022</a:t>
+              <a:t>26.09.2022</a:t>
             </a:fld>
             <a:endParaRPr lang="de-AT"/>
           </a:p>
@@ -790,7 +795,7 @@
           <a:p>
             <a:fld id="{115E8872-9D0A-45C6-BAD8-F8F4A9647508}" type="datetimeFigureOut">
               <a:rPr lang="de-AT" smtClean="0"/>
-              <a:t>19.09.2022</a:t>
+              <a:t>26.09.2022</a:t>
             </a:fld>
             <a:endParaRPr lang="de-AT"/>
           </a:p>
@@ -960,7 +965,7 @@
           <a:p>
             <a:fld id="{115E8872-9D0A-45C6-BAD8-F8F4A9647508}" type="datetimeFigureOut">
               <a:rPr lang="de-AT" smtClean="0"/>
-              <a:t>19.09.2022</a:t>
+              <a:t>26.09.2022</a:t>
             </a:fld>
             <a:endParaRPr lang="de-AT"/>
           </a:p>
@@ -1237,7 +1242,7 @@
           <a:p>
             <a:fld id="{115E8872-9D0A-45C6-BAD8-F8F4A9647508}" type="datetimeFigureOut">
               <a:rPr lang="de-AT" smtClean="0"/>
-              <a:t>19.09.2022</a:t>
+              <a:t>26.09.2022</a:t>
             </a:fld>
             <a:endParaRPr lang="de-AT"/>
           </a:p>
@@ -1631,7 +1636,7 @@
           <a:p>
             <a:fld id="{115E8872-9D0A-45C6-BAD8-F8F4A9647508}" type="datetimeFigureOut">
               <a:rPr lang="de-AT" smtClean="0"/>
-              <a:t>19.09.2022</a:t>
+              <a:t>26.09.2022</a:t>
             </a:fld>
             <a:endParaRPr lang="de-AT"/>
           </a:p>
@@ -2108,7 +2113,7 @@
           <a:p>
             <a:fld id="{115E8872-9D0A-45C6-BAD8-F8F4A9647508}" type="datetimeFigureOut">
               <a:rPr lang="de-AT" smtClean="0"/>
-              <a:t>19.09.2022</a:t>
+              <a:t>26.09.2022</a:t>
             </a:fld>
             <a:endParaRPr lang="de-AT"/>
           </a:p>
@@ -2226,7 +2231,7 @@
           <a:p>
             <a:fld id="{115E8872-9D0A-45C6-BAD8-F8F4A9647508}" type="datetimeFigureOut">
               <a:rPr lang="de-AT" smtClean="0"/>
-              <a:t>19.09.2022</a:t>
+              <a:t>26.09.2022</a:t>
             </a:fld>
             <a:endParaRPr lang="de-AT"/>
           </a:p>
@@ -2321,7 +2326,7 @@
           <a:p>
             <a:fld id="{115E8872-9D0A-45C6-BAD8-F8F4A9647508}" type="datetimeFigureOut">
               <a:rPr lang="de-AT" smtClean="0"/>
-              <a:t>19.09.2022</a:t>
+              <a:t>26.09.2022</a:t>
             </a:fld>
             <a:endParaRPr lang="de-AT"/>
           </a:p>
@@ -2667,7 +2672,7 @@
           <a:p>
             <a:fld id="{115E8872-9D0A-45C6-BAD8-F8F4A9647508}" type="datetimeFigureOut">
               <a:rPr lang="de-AT" smtClean="0"/>
-              <a:t>19.09.2022</a:t>
+              <a:t>26.09.2022</a:t>
             </a:fld>
             <a:endParaRPr lang="de-AT"/>
           </a:p>
@@ -3055,7 +3060,7 @@
           <a:p>
             <a:fld id="{115E8872-9D0A-45C6-BAD8-F8F4A9647508}" type="datetimeFigureOut">
               <a:rPr lang="de-AT" smtClean="0"/>
-              <a:t>19.09.2022</a:t>
+              <a:t>26.09.2022</a:t>
             </a:fld>
             <a:endParaRPr lang="de-AT"/>
           </a:p>
@@ -3333,7 +3338,7 @@
           <a:p>
             <a:fld id="{115E8872-9D0A-45C6-BAD8-F8F4A9647508}" type="datetimeFigureOut">
               <a:rPr lang="de-AT" smtClean="0"/>
-              <a:t>19.09.2022</a:t>
+              <a:t>26.09.2022</a:t>
             </a:fld>
             <a:endParaRPr lang="de-AT"/>
           </a:p>
@@ -4106,14 +4111,14 @@
             <p:ph idx="1"/>
             <p:extLst>
               <p:ext uri="{D42A27DB-BD31-4B8C-83A1-F6EECF244321}">
-                <p14:modId xmlns:p14="http://schemas.microsoft.com/office/powerpoint/2010/main" val="3816511965"/>
+                <p14:modId xmlns:p14="http://schemas.microsoft.com/office/powerpoint/2010/main" val="2044802476"/>
               </p:ext>
             </p:extLst>
           </p:nvPr>
         </p:nvGraphicFramePr>
         <p:xfrm>
           <a:off x="848590" y="3494117"/>
-          <a:ext cx="10647219" cy="1737360"/>
+          <a:ext cx="10647219" cy="1158240"/>
         </p:xfrm>
         <a:graphic>
           <a:graphicData uri="http://schemas.openxmlformats.org/drawingml/2006/table">
@@ -4212,7 +4217,7 @@
                     <a:p>
                       <a:r>
                         <a:rPr lang="de-AT" sz="3200" dirty="0"/>
-                        <a:t>Mark</a:t>
+                        <a:t>Sebastian</a:t>
                       </a:r>
                     </a:p>
                   </a:txBody>
@@ -4234,46 +4239,6 @@
                 <a:extLst>
                   <a:ext uri="{0D108BD9-81ED-4DB2-BD59-A6C34878D82A}">
                     <a16:rowId xmlns:a16="http://schemas.microsoft.com/office/drawing/2014/main" val="1553913266"/>
-                  </a:ext>
-                </a:extLst>
-              </a:tr>
-              <a:tr h="370840">
-                <a:tc>
-                  <a:txBody>
-                    <a:bodyPr/>
-                    <a:lstStyle/>
-                    <a:p>
-                      <a:endParaRPr lang="de-AT" sz="3200"/>
-                    </a:p>
-                  </a:txBody>
-                  <a:tcPr/>
-                </a:tc>
-                <a:tc>
-                  <a:txBody>
-                    <a:bodyPr/>
-                    <a:lstStyle/>
-                    <a:p>
-                      <a:r>
-                        <a:rPr lang="de-AT" sz="3200" dirty="0"/>
-                        <a:t>Sebastian</a:t>
-                      </a:r>
-                    </a:p>
-                  </a:txBody>
-                  <a:tcPr/>
-                </a:tc>
-                <a:tc>
-                  <a:txBody>
-                    <a:bodyPr/>
-                    <a:lstStyle/>
-                    <a:p>
-                      <a:endParaRPr lang="de-AT" sz="3200" dirty="0"/>
-                    </a:p>
-                  </a:txBody>
-                  <a:tcPr/>
-                </a:tc>
-                <a:extLst>
-                  <a:ext uri="{0D108BD9-81ED-4DB2-BD59-A6C34878D82A}">
-                    <a16:rowId xmlns:a16="http://schemas.microsoft.com/office/drawing/2014/main" val="434784064"/>
                   </a:ext>
                 </a:extLst>
               </a:tr>

--- a/Jumper (WIP).pptx
+++ b/Jumper (WIP).pptx
@@ -6,10 +6,11 @@
   </p:sldMasterIdLst>
   <p:sldIdLst>
     <p:sldId id="256" r:id="rId2"/>
-    <p:sldId id="260" r:id="rId3"/>
-    <p:sldId id="257" r:id="rId4"/>
-    <p:sldId id="261" r:id="rId5"/>
-    <p:sldId id="258" r:id="rId6"/>
+    <p:sldId id="262" r:id="rId3"/>
+    <p:sldId id="260" r:id="rId4"/>
+    <p:sldId id="257" r:id="rId5"/>
+    <p:sldId id="261" r:id="rId6"/>
+    <p:sldId id="258" r:id="rId7"/>
   </p:sldIdLst>
   <p:sldSz cx="12192000" cy="6858000"/>
   <p:notesSz cx="6858000" cy="9144000"/>
@@ -3946,6 +3947,100 @@
           <p:cNvPr id="2" name="Titel 1">
             <a:extLst>
               <a:ext uri="{FF2B5EF4-FFF2-40B4-BE49-F238E27FC236}">
+                <a16:creationId xmlns:a16="http://schemas.microsoft.com/office/drawing/2014/main" id="{DE2C9D8B-8CAB-43AC-844E-AF2DB0AE93C8}"/>
+              </a:ext>
+            </a:extLst>
+          </p:cNvPr>
+          <p:cNvSpPr>
+            <a:spLocks noGrp="1"/>
+          </p:cNvSpPr>
+          <p:nvPr>
+            <p:ph type="title"/>
+          </p:nvPr>
+        </p:nvSpPr>
+        <p:spPr/>
+        <p:txBody>
+          <a:bodyPr/>
+          <a:lstStyle/>
+          <a:p>
+            <a:r>
+              <a:rPr lang="de-AT" dirty="0"/>
+              <a:t>Unser Team</a:t>
+            </a:r>
+          </a:p>
+        </p:txBody>
+      </p:sp>
+      <p:sp>
+        <p:nvSpPr>
+          <p:cNvPr id="3" name="Inhaltsplatzhalter 2">
+            <a:extLst>
+              <a:ext uri="{FF2B5EF4-FFF2-40B4-BE49-F238E27FC236}">
+                <a16:creationId xmlns:a16="http://schemas.microsoft.com/office/drawing/2014/main" id="{AC0B279D-A204-4EEC-9D55-762333F9BD36}"/>
+              </a:ext>
+            </a:extLst>
+          </p:cNvPr>
+          <p:cNvSpPr>
+            <a:spLocks noGrp="1"/>
+          </p:cNvSpPr>
+          <p:nvPr>
+            <p:ph idx="1"/>
+          </p:nvPr>
+        </p:nvSpPr>
+        <p:spPr/>
+        <p:txBody>
+          <a:bodyPr/>
+          <a:lstStyle/>
+          <a:p>
+            <a:r>
+              <a:rPr lang="de-AT" dirty="0"/>
+              <a:t>Philip Bachl </a:t>
+            </a:r>
+            <a:r>
+              <a:rPr lang="de-AT"/>
+              <a:t>(Projektleiter</a:t>
+            </a:r>
+            <a:r>
+              <a:rPr lang="de-AT" dirty="0"/>
+              <a:t>)</a:t>
+            </a:r>
+          </a:p>
+        </p:txBody>
+      </p:sp>
+    </p:spTree>
+    <p:extLst>
+      <p:ext uri="{BB962C8B-B14F-4D97-AF65-F5344CB8AC3E}">
+        <p14:creationId xmlns:p14="http://schemas.microsoft.com/office/powerpoint/2010/main" val="288272882"/>
+      </p:ext>
+    </p:extLst>
+  </p:cSld>
+  <p:clrMapOvr>
+    <a:masterClrMapping/>
+  </p:clrMapOvr>
+</p:sld>
+</file>
+
+<file path=ppt/slides/slide3.xml><?xml version="1.0" encoding="utf-8"?>
+<p:sld xmlns:a="http://schemas.openxmlformats.org/drawingml/2006/main" xmlns:r="http://schemas.openxmlformats.org/officeDocument/2006/relationships" xmlns:p="http://schemas.openxmlformats.org/presentationml/2006/main">
+  <p:cSld>
+    <p:spTree>
+      <p:nvGrpSpPr>
+        <p:cNvPr id="1" name=""/>
+        <p:cNvGrpSpPr/>
+        <p:nvPr/>
+      </p:nvGrpSpPr>
+      <p:grpSpPr>
+        <a:xfrm>
+          <a:off x="0" y="0"/>
+          <a:ext cx="0" cy="0"/>
+          <a:chOff x="0" y="0"/>
+          <a:chExt cx="0" cy="0"/>
+        </a:xfrm>
+      </p:grpSpPr>
+      <p:sp>
+        <p:nvSpPr>
+          <p:cNvPr id="2" name="Titel 1">
+            <a:extLst>
+              <a:ext uri="{FF2B5EF4-FFF2-40B4-BE49-F238E27FC236}">
                 <a16:creationId xmlns:a16="http://schemas.microsoft.com/office/drawing/2014/main" id="{462F67CA-F8B0-4048-9267-F658DC724849}"/>
               </a:ext>
             </a:extLst>
@@ -4048,7 +4143,7 @@
 </p:sld>
 </file>
 
-<file path=ppt/slides/slide3.xml><?xml version="1.0" encoding="utf-8"?>
+<file path=ppt/slides/slide4.xml><?xml version="1.0" encoding="utf-8"?>
 <p:sld xmlns:a="http://schemas.openxmlformats.org/drawingml/2006/main" xmlns:r="http://schemas.openxmlformats.org/officeDocument/2006/relationships" xmlns:p="http://schemas.openxmlformats.org/presentationml/2006/main">
   <p:cSld>
     <p:spTree>
@@ -4262,7 +4357,7 @@
 </p:sld>
 </file>
 
-<file path=ppt/slides/slide4.xml><?xml version="1.0" encoding="utf-8"?>
+<file path=ppt/slides/slide5.xml><?xml version="1.0" encoding="utf-8"?>
 <p:sld xmlns:a="http://schemas.openxmlformats.org/drawingml/2006/main" xmlns:r="http://schemas.openxmlformats.org/officeDocument/2006/relationships" xmlns:p="http://schemas.openxmlformats.org/presentationml/2006/main">
   <p:cSld>
     <p:spTree>
@@ -4381,7 +4476,7 @@
 </p:sld>
 </file>
 
-<file path=ppt/slides/slide5.xml><?xml version="1.0" encoding="utf-8"?>
+<file path=ppt/slides/slide6.xml><?xml version="1.0" encoding="utf-8"?>
 <p:sld xmlns:a="http://schemas.openxmlformats.org/drawingml/2006/main" xmlns:r="http://schemas.openxmlformats.org/officeDocument/2006/relationships" xmlns:p="http://schemas.openxmlformats.org/presentationml/2006/main">
   <p:cSld>
     <p:spTree>

--- a/Jumper (WIP).pptx
+++ b/Jumper (WIP).pptx
@@ -286,7 +286,7 @@
           <a:p>
             <a:fld id="{115E8872-9D0A-45C6-BAD8-F8F4A9647508}" type="datetimeFigureOut">
               <a:rPr lang="de-AT" smtClean="0"/>
-              <a:t>26.09.2022</a:t>
+              <a:t>27.09.2022</a:t>
             </a:fld>
             <a:endParaRPr lang="de-AT"/>
           </a:p>
@@ -616,7 +616,7 @@
           <a:p>
             <a:fld id="{115E8872-9D0A-45C6-BAD8-F8F4A9647508}" type="datetimeFigureOut">
               <a:rPr lang="de-AT" smtClean="0"/>
-              <a:t>26.09.2022</a:t>
+              <a:t>27.09.2022</a:t>
             </a:fld>
             <a:endParaRPr lang="de-AT"/>
           </a:p>
@@ -796,7 +796,7 @@
           <a:p>
             <a:fld id="{115E8872-9D0A-45C6-BAD8-F8F4A9647508}" type="datetimeFigureOut">
               <a:rPr lang="de-AT" smtClean="0"/>
-              <a:t>26.09.2022</a:t>
+              <a:t>27.09.2022</a:t>
             </a:fld>
             <a:endParaRPr lang="de-AT"/>
           </a:p>
@@ -966,7 +966,7 @@
           <a:p>
             <a:fld id="{115E8872-9D0A-45C6-BAD8-F8F4A9647508}" type="datetimeFigureOut">
               <a:rPr lang="de-AT" smtClean="0"/>
-              <a:t>26.09.2022</a:t>
+              <a:t>27.09.2022</a:t>
             </a:fld>
             <a:endParaRPr lang="de-AT"/>
           </a:p>
@@ -1243,7 +1243,7 @@
           <a:p>
             <a:fld id="{115E8872-9D0A-45C6-BAD8-F8F4A9647508}" type="datetimeFigureOut">
               <a:rPr lang="de-AT" smtClean="0"/>
-              <a:t>26.09.2022</a:t>
+              <a:t>27.09.2022</a:t>
             </a:fld>
             <a:endParaRPr lang="de-AT"/>
           </a:p>
@@ -1637,7 +1637,7 @@
           <a:p>
             <a:fld id="{115E8872-9D0A-45C6-BAD8-F8F4A9647508}" type="datetimeFigureOut">
               <a:rPr lang="de-AT" smtClean="0"/>
-              <a:t>26.09.2022</a:t>
+              <a:t>27.09.2022</a:t>
             </a:fld>
             <a:endParaRPr lang="de-AT"/>
           </a:p>
@@ -2114,7 +2114,7 @@
           <a:p>
             <a:fld id="{115E8872-9D0A-45C6-BAD8-F8F4A9647508}" type="datetimeFigureOut">
               <a:rPr lang="de-AT" smtClean="0"/>
-              <a:t>26.09.2022</a:t>
+              <a:t>27.09.2022</a:t>
             </a:fld>
             <a:endParaRPr lang="de-AT"/>
           </a:p>
@@ -2232,7 +2232,7 @@
           <a:p>
             <a:fld id="{115E8872-9D0A-45C6-BAD8-F8F4A9647508}" type="datetimeFigureOut">
               <a:rPr lang="de-AT" smtClean="0"/>
-              <a:t>26.09.2022</a:t>
+              <a:t>27.09.2022</a:t>
             </a:fld>
             <a:endParaRPr lang="de-AT"/>
           </a:p>
@@ -2327,7 +2327,7 @@
           <a:p>
             <a:fld id="{115E8872-9D0A-45C6-BAD8-F8F4A9647508}" type="datetimeFigureOut">
               <a:rPr lang="de-AT" smtClean="0"/>
-              <a:t>26.09.2022</a:t>
+              <a:t>27.09.2022</a:t>
             </a:fld>
             <a:endParaRPr lang="de-AT"/>
           </a:p>
@@ -2673,7 +2673,7 @@
           <a:p>
             <a:fld id="{115E8872-9D0A-45C6-BAD8-F8F4A9647508}" type="datetimeFigureOut">
               <a:rPr lang="de-AT" smtClean="0"/>
-              <a:t>26.09.2022</a:t>
+              <a:t>27.09.2022</a:t>
             </a:fld>
             <a:endParaRPr lang="de-AT"/>
           </a:p>
@@ -3061,7 +3061,7 @@
           <a:p>
             <a:fld id="{115E8872-9D0A-45C6-BAD8-F8F4A9647508}" type="datetimeFigureOut">
               <a:rPr lang="de-AT" smtClean="0"/>
-              <a:t>26.09.2022</a:t>
+              <a:t>27.09.2022</a:t>
             </a:fld>
             <a:endParaRPr lang="de-AT"/>
           </a:p>
@@ -3339,7 +3339,7 @@
           <a:p>
             <a:fld id="{115E8872-9D0A-45C6-BAD8-F8F4A9647508}" type="datetimeFigureOut">
               <a:rPr lang="de-AT" smtClean="0"/>
-              <a:t>26.09.2022</a:t>
+              <a:t>27.09.2022</a:t>
             </a:fld>
             <a:endParaRPr lang="de-AT"/>
           </a:p>
@@ -4796,9 +4796,10 @@
           </a:lstStyle>
           <a:p>
             <a:r>
-              <a:rPr lang="de-AT" sz="3200" dirty="0"/>
-              <a:t>Zusammenhängende</a:t>
-            </a:r>
+              <a:rPr lang="de-AT" sz="3200"/>
+              <a:t>Zusammenhängende Level</a:t>
+            </a:r>
+            <a:endParaRPr lang="de-AT" sz="3200" dirty="0"/>
           </a:p>
           <a:p>
             <a:endParaRPr lang="de-AT" sz="3200" dirty="0"/>

--- a/Jumper (WIP).pptx
+++ b/Jumper (WIP).pptx
@@ -11,6 +11,7 @@
     <p:sldId id="257" r:id="rId5"/>
     <p:sldId id="261" r:id="rId6"/>
     <p:sldId id="258" r:id="rId7"/>
+    <p:sldId id="263" r:id="rId8"/>
   </p:sldIdLst>
   <p:sldSz cx="12192000" cy="6858000"/>
   <p:notesSz cx="6858000" cy="9144000"/>
@@ -3960,11 +3961,13 @@
         </p:nvSpPr>
         <p:spPr/>
         <p:txBody>
-          <a:bodyPr/>
+          <a:bodyPr>
+            <a:normAutofit/>
+          </a:bodyPr>
           <a:lstStyle/>
           <a:p>
             <a:r>
-              <a:rPr lang="de-AT" dirty="0"/>
+              <a:rPr lang="de-AT" sz="7200" dirty="0"/>
               <a:t>Unser Team</a:t>
             </a:r>
           </a:p>
@@ -3988,21 +3991,54 @@
         </p:nvSpPr>
         <p:spPr/>
         <p:txBody>
-          <a:bodyPr/>
+          <a:bodyPr>
+            <a:normAutofit/>
+          </a:bodyPr>
           <a:lstStyle/>
           <a:p>
             <a:r>
-              <a:rPr lang="de-AT" dirty="0"/>
-              <a:t>Philip Bachl </a:t>
-            </a:r>
-            <a:r>
-              <a:rPr lang="de-AT"/>
-              <a:t>(Projektleiter</a:t>
-            </a:r>
-            <a:r>
-              <a:rPr lang="de-AT" dirty="0"/>
-              <a:t>)</a:t>
-            </a:r>
+              <a:rPr lang="de-AT" sz="3200" dirty="0"/>
+              <a:t>Philip Bachl (Projektleiter)</a:t>
+            </a:r>
+          </a:p>
+          <a:p>
+            <a:endParaRPr lang="de-AT" sz="3200" dirty="0"/>
+          </a:p>
+          <a:p>
+            <a:r>
+              <a:rPr lang="de-DE" sz="3200" dirty="0"/>
+              <a:t>D</a:t>
+            </a:r>
+            <a:r>
+              <a:rPr lang="de-AT" sz="3200" dirty="0" err="1"/>
+              <a:t>avid</a:t>
+            </a:r>
+            <a:r>
+              <a:rPr lang="de-AT" sz="3200" dirty="0"/>
+              <a:t> Pavlov</a:t>
+            </a:r>
+          </a:p>
+          <a:p>
+            <a:endParaRPr lang="de-AT" sz="3200" dirty="0"/>
+          </a:p>
+          <a:p>
+            <a:r>
+              <a:rPr lang="de-DE" sz="3200" dirty="0"/>
+              <a:t>S</a:t>
+            </a:r>
+            <a:r>
+              <a:rPr lang="de-AT" sz="3200" dirty="0" err="1"/>
+              <a:t>ebastian</a:t>
+            </a:r>
+            <a:r>
+              <a:rPr lang="de-AT" sz="3200" dirty="0"/>
+              <a:t> </a:t>
+            </a:r>
+            <a:r>
+              <a:rPr lang="de-AT" sz="3200" dirty="0" err="1"/>
+              <a:t>Kollarits</a:t>
+            </a:r>
+            <a:endParaRPr lang="de-AT" sz="3200" dirty="0"/>
           </a:p>
         </p:txBody>
       </p:sp>
@@ -4091,7 +4127,7 @@
           <a:p>
             <a:r>
               <a:rPr lang="de-AT" sz="3200" dirty="0"/>
-              <a:t>Programmierung:	140h</a:t>
+              <a:t>Programmierung:	100h</a:t>
             </a:r>
           </a:p>
           <a:p>
@@ -4104,7 +4140,7 @@
             </a:r>
             <a:r>
               <a:rPr lang="de-AT" sz="3200" dirty="0"/>
-              <a:t>:		60h</a:t>
+              <a:t> + Sound:		60h</a:t>
             </a:r>
           </a:p>
           <a:p>
@@ -4113,7 +4149,7 @@
           <a:p>
             <a:r>
               <a:rPr lang="de-AT" sz="3200" dirty="0"/>
-              <a:t>Leveldesign:		100h</a:t>
+              <a:t>Leveldesign + Lore:		140h</a:t>
             </a:r>
           </a:p>
           <a:p>
@@ -4557,19 +4593,19 @@
             </a:r>
           </a:p>
           <a:p>
+            <a:endParaRPr lang="de-AT" sz="3200" dirty="0"/>
+          </a:p>
+          <a:p>
             <a:r>
               <a:rPr lang="de-AT" sz="3200" dirty="0"/>
-              <a:t>Hardcore Mode</a:t>
+              <a:t>Zusammenhängende Level</a:t>
             </a:r>
           </a:p>
           <a:p>
             <a:endParaRPr lang="de-AT" sz="3200" dirty="0"/>
           </a:p>
           <a:p>
-            <a:r>
-              <a:rPr lang="de-AT" sz="3200" dirty="0"/>
-              <a:t>Teleportation Mechanik</a:t>
-            </a:r>
+            <a:endParaRPr lang="de-AT" sz="3200" dirty="0"/>
           </a:p>
           <a:p>
             <a:endParaRPr lang="de-AT" sz="3200" dirty="0"/>
@@ -4796,10 +4832,9 @@
           </a:lstStyle>
           <a:p>
             <a:r>
-              <a:rPr lang="de-AT" sz="3200"/>
-              <a:t>Zusammenhängende Level</a:t>
-            </a:r>
-            <a:endParaRPr lang="de-AT" sz="3200" dirty="0"/>
+              <a:rPr lang="de-AT" sz="3200" dirty="0"/>
+              <a:t>Hardcore Mode</a:t>
+            </a:r>
           </a:p>
           <a:p>
             <a:endParaRPr lang="de-AT" sz="3200" dirty="0"/>
@@ -4834,6 +4869,122 @@
   <p:transition spd="slow">
     <p:push dir="u"/>
   </p:transition>
+</p:sld>
+</file>
+
+<file path=ppt/slides/slide7.xml><?xml version="1.0" encoding="utf-8"?>
+<p:sld xmlns:a="http://schemas.openxmlformats.org/drawingml/2006/main" xmlns:r="http://schemas.openxmlformats.org/officeDocument/2006/relationships" xmlns:p="http://schemas.openxmlformats.org/presentationml/2006/main">
+  <p:cSld>
+    <p:spTree>
+      <p:nvGrpSpPr>
+        <p:cNvPr id="1" name=""/>
+        <p:cNvGrpSpPr/>
+        <p:nvPr/>
+      </p:nvGrpSpPr>
+      <p:grpSpPr>
+        <a:xfrm>
+          <a:off x="0" y="0"/>
+          <a:ext cx="0" cy="0"/>
+          <a:chOff x="0" y="0"/>
+          <a:chExt cx="0" cy="0"/>
+        </a:xfrm>
+      </p:grpSpPr>
+      <p:sp>
+        <p:nvSpPr>
+          <p:cNvPr id="2" name="Titel 1">
+            <a:extLst>
+              <a:ext uri="{FF2B5EF4-FFF2-40B4-BE49-F238E27FC236}">
+                <a16:creationId xmlns:a16="http://schemas.microsoft.com/office/drawing/2014/main" id="{5E6F5E59-E244-4C72-A8A9-AEF22B0520FE}"/>
+              </a:ext>
+            </a:extLst>
+          </p:cNvPr>
+          <p:cNvSpPr>
+            <a:spLocks noGrp="1"/>
+          </p:cNvSpPr>
+          <p:nvPr>
+            <p:ph type="title"/>
+          </p:nvPr>
+        </p:nvSpPr>
+        <p:spPr/>
+        <p:txBody>
+          <a:bodyPr>
+            <a:normAutofit/>
+          </a:bodyPr>
+          <a:lstStyle/>
+          <a:p>
+            <a:r>
+              <a:rPr lang="de-DE" sz="7200" dirty="0"/>
+              <a:t>Betrachtungsobjekte</a:t>
+            </a:r>
+            <a:endParaRPr lang="de-AT" sz="7200" dirty="0"/>
+          </a:p>
+        </p:txBody>
+      </p:sp>
+      <p:sp>
+        <p:nvSpPr>
+          <p:cNvPr id="3" name="Inhaltsplatzhalter 2">
+            <a:extLst>
+              <a:ext uri="{FF2B5EF4-FFF2-40B4-BE49-F238E27FC236}">
+                <a16:creationId xmlns:a16="http://schemas.microsoft.com/office/drawing/2014/main" id="{883AF83A-564D-487A-8460-04F4056DC2A3}"/>
+              </a:ext>
+            </a:extLst>
+          </p:cNvPr>
+          <p:cNvSpPr>
+            <a:spLocks noGrp="1"/>
+          </p:cNvSpPr>
+          <p:nvPr>
+            <p:ph idx="1"/>
+          </p:nvPr>
+        </p:nvSpPr>
+        <p:spPr/>
+        <p:txBody>
+          <a:bodyPr/>
+          <a:lstStyle/>
+          <a:p>
+            <a:pPr lvl="0"/>
+            <a:r>
+              <a:rPr lang="de-DE" sz="3200" dirty="0"/>
+              <a:t>Teleportation</a:t>
+            </a:r>
+          </a:p>
+          <a:p>
+            <a:pPr lvl="0"/>
+            <a:endParaRPr lang="de-AT" sz="3200" dirty="0"/>
+          </a:p>
+          <a:p>
+            <a:pPr lvl="0"/>
+            <a:r>
+              <a:rPr lang="de-DE" sz="3200" dirty="0"/>
+              <a:t>Positionswechsel mit speziellen Objekten</a:t>
+            </a:r>
+          </a:p>
+          <a:p>
+            <a:pPr lvl="0"/>
+            <a:endParaRPr lang="de-AT" sz="3200" dirty="0"/>
+          </a:p>
+          <a:p>
+            <a:pPr lvl="0"/>
+            <a:r>
+              <a:rPr lang="de-DE" sz="3200" dirty="0"/>
+              <a:t>dystopisches Setting</a:t>
+            </a:r>
+            <a:endParaRPr lang="de-AT" sz="3200" dirty="0"/>
+          </a:p>
+          <a:p>
+            <a:endParaRPr lang="de-AT" dirty="0"/>
+          </a:p>
+        </p:txBody>
+      </p:sp>
+    </p:spTree>
+    <p:extLst>
+      <p:ext uri="{BB962C8B-B14F-4D97-AF65-F5344CB8AC3E}">
+        <p14:creationId xmlns:p14="http://schemas.microsoft.com/office/powerpoint/2010/main" val="2455727884"/>
+      </p:ext>
+    </p:extLst>
+  </p:cSld>
+  <p:clrMapOvr>
+    <a:masterClrMapping/>
+  </p:clrMapOvr>
 </p:sld>
 </file>
 

--- a/Jumper (WIP).pptx
+++ b/Jumper (WIP).pptx
@@ -4052,6 +4052,9 @@
   <p:clrMapOvr>
     <a:masterClrMapping/>
   </p:clrMapOvr>
+  <p:transition spd="slow">
+    <p:push dir="u"/>
+  </p:transition>
 </p:sld>
 </file>
 
@@ -4985,6 +4988,9 @@
   <p:clrMapOvr>
     <a:masterClrMapping/>
   </p:clrMapOvr>
+  <p:transition spd="slow">
+    <p:push dir="u"/>
+  </p:transition>
 </p:sld>
 </file>
 
